--- a/Lecture/Programming 3/Programming_3_Lecture.pptx
+++ b/Lecture/Programming 3/Programming_3_Lecture.pptx
@@ -311,7 +311,7 @@
               <a:pPr>
                 <a:defRPr/>
               </a:pPr>
-              <a:t>10/25/2018</a:t>
+              <a:t>3/8/2022</a:t>
             </a:fld>
             <a:endParaRPr lang="en-US" dirty="0"/>
           </a:p>
@@ -523,7 +523,7 @@
               <a:pPr>
                 <a:defRPr/>
               </a:pPr>
-              <a:t>10/25/2018</a:t>
+              <a:t>3/8/2022</a:t>
             </a:fld>
             <a:endParaRPr lang="en-US" dirty="0"/>
           </a:p>
@@ -1042,7 +1042,7 @@
               <a:pPr>
                 <a:defRPr/>
               </a:pPr>
-              <a:t>10/25/2018</a:t>
+              <a:t>3/8/2022</a:t>
             </a:fld>
             <a:endParaRPr lang="en-US" dirty="0"/>
           </a:p>
@@ -1232,7 +1232,7 @@
               <a:pPr>
                 <a:defRPr/>
               </a:pPr>
-              <a:t>10/25/2018</a:t>
+              <a:t>3/8/2022</a:t>
             </a:fld>
             <a:endParaRPr lang="en-US" dirty="0"/>
           </a:p>
@@ -1432,7 +1432,7 @@
               <a:pPr>
                 <a:defRPr/>
               </a:pPr>
-              <a:t>10/25/2018</a:t>
+              <a:t>3/8/2022</a:t>
             </a:fld>
             <a:endParaRPr lang="en-US" dirty="0"/>
           </a:p>
@@ -1700,7 +1700,7 @@
               <a:pPr>
                 <a:defRPr/>
               </a:pPr>
-              <a:t>10/25/2018</a:t>
+              <a:t>3/8/2022</a:t>
             </a:fld>
             <a:endParaRPr lang="en-US" dirty="0">
               <a:solidFill>
@@ -1914,7 +1914,7 @@
               <a:pPr>
                 <a:defRPr/>
               </a:pPr>
-              <a:t>10/25/2018</a:t>
+              <a:t>3/8/2022</a:t>
             </a:fld>
             <a:endParaRPr lang="en-US" dirty="0">
               <a:solidFill>
@@ -2205,7 +2205,7 @@
               <a:pPr>
                 <a:defRPr/>
               </a:pPr>
-              <a:t>10/25/2018</a:t>
+              <a:t>3/8/2022</a:t>
             </a:fld>
             <a:endParaRPr lang="en-US" dirty="0">
               <a:solidFill>
@@ -2536,7 +2536,7 @@
               <a:pPr>
                 <a:defRPr/>
               </a:pPr>
-              <a:t>10/25/2018</a:t>
+              <a:t>3/8/2022</a:t>
             </a:fld>
             <a:endParaRPr lang="en-US" dirty="0">
               <a:solidFill>
@@ -3001,7 +3001,7 @@
               <a:pPr>
                 <a:defRPr/>
               </a:pPr>
-              <a:t>10/25/2018</a:t>
+              <a:t>3/8/2022</a:t>
             </a:fld>
             <a:endParaRPr lang="en-US" dirty="0">
               <a:solidFill>
@@ -3164,7 +3164,7 @@
               <a:pPr>
                 <a:defRPr/>
               </a:pPr>
-              <a:t>10/25/2018</a:t>
+              <a:t>3/8/2022</a:t>
             </a:fld>
             <a:endParaRPr lang="en-US" dirty="0">
               <a:solidFill>
@@ -3305,7 +3305,7 @@
               <a:pPr>
                 <a:defRPr/>
               </a:pPr>
-              <a:t>10/25/2018</a:t>
+              <a:t>3/8/2022</a:t>
             </a:fld>
             <a:endParaRPr lang="en-US" dirty="0">
               <a:solidFill>
@@ -3626,7 +3626,7 @@
               <a:pPr>
                 <a:defRPr/>
               </a:pPr>
-              <a:t>10/25/2018</a:t>
+              <a:t>3/8/2022</a:t>
             </a:fld>
             <a:endParaRPr lang="en-US" dirty="0">
               <a:solidFill>
@@ -3834,7 +3834,7 @@
               <a:pPr>
                 <a:defRPr/>
               </a:pPr>
-              <a:t>10/25/2018</a:t>
+              <a:t>3/8/2022</a:t>
             </a:fld>
             <a:endParaRPr lang="en-US" dirty="0"/>
           </a:p>
@@ -4117,7 +4117,7 @@
               <a:pPr>
                 <a:defRPr/>
               </a:pPr>
-              <a:t>10/25/2018</a:t>
+              <a:t>3/8/2022</a:t>
             </a:fld>
             <a:endParaRPr lang="en-US" dirty="0">
               <a:solidFill>
@@ -4331,7 +4331,7 @@
               <a:pPr>
                 <a:defRPr/>
               </a:pPr>
-              <a:t>10/25/2018</a:t>
+              <a:t>3/8/2022</a:t>
             </a:fld>
             <a:endParaRPr lang="en-US" dirty="0">
               <a:solidFill>
@@ -4555,7 +4555,7 @@
               <a:pPr>
                 <a:defRPr/>
               </a:pPr>
-              <a:t>10/25/2018</a:t>
+              <a:t>3/8/2022</a:t>
             </a:fld>
             <a:endParaRPr lang="en-US" dirty="0">
               <a:solidFill>
@@ -4765,7 +4765,7 @@
               <a:pPr>
                 <a:defRPr/>
               </a:pPr>
-              <a:t>10/25/2018</a:t>
+              <a:t>3/8/2022</a:t>
             </a:fld>
             <a:endParaRPr lang="en-US" dirty="0">
               <a:solidFill>
@@ -5042,7 +5042,7 @@
               <a:pPr>
                 <a:defRPr/>
               </a:pPr>
-              <a:t>10/25/2018</a:t>
+              <a:t>3/8/2022</a:t>
             </a:fld>
             <a:endParaRPr lang="en-US" dirty="0"/>
           </a:p>
@@ -5349,7 +5349,7 @@
               <a:pPr>
                 <a:defRPr/>
               </a:pPr>
-              <a:t>10/25/2018</a:t>
+              <a:t>3/8/2022</a:t>
             </a:fld>
             <a:endParaRPr lang="en-US" dirty="0"/>
           </a:p>
@@ -5790,7 +5790,7 @@
               <a:pPr>
                 <a:defRPr/>
               </a:pPr>
-              <a:t>10/25/2018</a:t>
+              <a:t>3/8/2022</a:t>
             </a:fld>
             <a:endParaRPr lang="en-US" dirty="0"/>
           </a:p>
@@ -5929,7 +5929,7 @@
               <a:pPr>
                 <a:defRPr/>
               </a:pPr>
-              <a:t>10/25/2018</a:t>
+              <a:t>3/8/2022</a:t>
             </a:fld>
             <a:endParaRPr lang="en-US" dirty="0"/>
           </a:p>
@@ -6046,7 +6046,7 @@
               <a:pPr>
                 <a:defRPr/>
               </a:pPr>
-              <a:t>10/25/2018</a:t>
+              <a:t>3/8/2022</a:t>
             </a:fld>
             <a:endParaRPr lang="en-US" dirty="0"/>
           </a:p>
@@ -6343,7 +6343,7 @@
               <a:pPr>
                 <a:defRPr/>
               </a:pPr>
-              <a:t>10/25/2018</a:t>
+              <a:t>3/8/2022</a:t>
             </a:fld>
             <a:endParaRPr lang="en-US" dirty="0"/>
           </a:p>
@@ -6620,7 +6620,7 @@
               <a:pPr>
                 <a:defRPr/>
               </a:pPr>
-              <a:t>10/25/2018</a:t>
+              <a:t>3/8/2022</a:t>
             </a:fld>
             <a:endParaRPr lang="en-US" dirty="0"/>
           </a:p>
@@ -6877,7 +6877,7 @@
               <a:pPr>
                 <a:defRPr/>
               </a:pPr>
-              <a:t>10/25/2018</a:t>
+              <a:t>3/8/2022</a:t>
             </a:fld>
             <a:endParaRPr lang="en-US" dirty="0"/>
           </a:p>
@@ -7587,7 +7587,7 @@
               <a:pPr>
                 <a:defRPr/>
               </a:pPr>
-              <a:t>10/25/2018</a:t>
+              <a:t>3/8/2022</a:t>
             </a:fld>
             <a:endParaRPr lang="en-US" dirty="0">
               <a:solidFill>
@@ -12180,8 +12180,8 @@
           <a:noFill/>
         </p:spPr>
       </p:pic>
-      <mc:AlternateContent xmlns:mc="http://schemas.openxmlformats.org/markup-compatibility/2006" xmlns:a14="http://schemas.microsoft.com/office/drawing/2010/main">
-        <mc:Choice Requires="a14">
+      <mc:AlternateContent xmlns:mc="http://schemas.openxmlformats.org/markup-compatibility/2006">
+        <mc:Choice xmlns:a14="http://schemas.microsoft.com/office/drawing/2010/main" Requires="a14">
           <p:sp>
             <p:nvSpPr>
               <p:cNvPr id="9" name="TextBox 8">
@@ -12283,6 +12283,14 @@
                   <a:buChar char="•"/>
                   <a:defRPr/>
                 </a:pPr>
+                <a:r>
+                  <a:rPr lang="en-US" b="0" dirty="0">
+                    <a:solidFill>
+                      <a:srgbClr val="404040"/>
+                    </a:solidFill>
+                  </a:rPr>
+                  <a:t>Approx. </a:t>
+                </a:r>
                 <a14:m>
                   <m:oMath xmlns:m="http://schemas.openxmlformats.org/officeDocument/2006/math">
                     <m:acc>
@@ -12563,7 +12571,7 @@
             </p:txBody>
           </p:sp>
         </mc:Choice>
-        <mc:Fallback xmlns="">
+        <mc:Fallback>
           <p:sp>
             <p:nvSpPr>
               <p:cNvPr id="9" name="TextBox 8">

--- a/Lecture/Programming 3/Programming_3_Lecture.pptx
+++ b/Lecture/Programming 3/Programming_3_Lecture.pptx
@@ -311,7 +311,7 @@
               <a:pPr>
                 <a:defRPr/>
               </a:pPr>
-              <a:t>3/8/2022</a:t>
+              <a:t>7/12/2022</a:t>
             </a:fld>
             <a:endParaRPr lang="en-US" dirty="0"/>
           </a:p>
@@ -523,7 +523,7 @@
               <a:pPr>
                 <a:defRPr/>
               </a:pPr>
-              <a:t>3/8/2022</a:t>
+              <a:t>7/12/2022</a:t>
             </a:fld>
             <a:endParaRPr lang="en-US" dirty="0"/>
           </a:p>
@@ -1042,7 +1042,7 @@
               <a:pPr>
                 <a:defRPr/>
               </a:pPr>
-              <a:t>3/8/2022</a:t>
+              <a:t>7/12/2022</a:t>
             </a:fld>
             <a:endParaRPr lang="en-US" dirty="0"/>
           </a:p>
@@ -1232,7 +1232,7 @@
               <a:pPr>
                 <a:defRPr/>
               </a:pPr>
-              <a:t>3/8/2022</a:t>
+              <a:t>7/12/2022</a:t>
             </a:fld>
             <a:endParaRPr lang="en-US" dirty="0"/>
           </a:p>
@@ -1432,7 +1432,7 @@
               <a:pPr>
                 <a:defRPr/>
               </a:pPr>
-              <a:t>3/8/2022</a:t>
+              <a:t>7/12/2022</a:t>
             </a:fld>
             <a:endParaRPr lang="en-US" dirty="0"/>
           </a:p>
@@ -1700,7 +1700,7 @@
               <a:pPr>
                 <a:defRPr/>
               </a:pPr>
-              <a:t>3/8/2022</a:t>
+              <a:t>7/12/2022</a:t>
             </a:fld>
             <a:endParaRPr lang="en-US" dirty="0">
               <a:solidFill>
@@ -1914,7 +1914,7 @@
               <a:pPr>
                 <a:defRPr/>
               </a:pPr>
-              <a:t>3/8/2022</a:t>
+              <a:t>7/12/2022</a:t>
             </a:fld>
             <a:endParaRPr lang="en-US" dirty="0">
               <a:solidFill>
@@ -2205,7 +2205,7 @@
               <a:pPr>
                 <a:defRPr/>
               </a:pPr>
-              <a:t>3/8/2022</a:t>
+              <a:t>7/12/2022</a:t>
             </a:fld>
             <a:endParaRPr lang="en-US" dirty="0">
               <a:solidFill>
@@ -2536,7 +2536,7 @@
               <a:pPr>
                 <a:defRPr/>
               </a:pPr>
-              <a:t>3/8/2022</a:t>
+              <a:t>7/12/2022</a:t>
             </a:fld>
             <a:endParaRPr lang="en-US" dirty="0">
               <a:solidFill>
@@ -3001,7 +3001,7 @@
               <a:pPr>
                 <a:defRPr/>
               </a:pPr>
-              <a:t>3/8/2022</a:t>
+              <a:t>7/12/2022</a:t>
             </a:fld>
             <a:endParaRPr lang="en-US" dirty="0">
               <a:solidFill>
@@ -3164,7 +3164,7 @@
               <a:pPr>
                 <a:defRPr/>
               </a:pPr>
-              <a:t>3/8/2022</a:t>
+              <a:t>7/12/2022</a:t>
             </a:fld>
             <a:endParaRPr lang="en-US" dirty="0">
               <a:solidFill>
@@ -3305,7 +3305,7 @@
               <a:pPr>
                 <a:defRPr/>
               </a:pPr>
-              <a:t>3/8/2022</a:t>
+              <a:t>7/12/2022</a:t>
             </a:fld>
             <a:endParaRPr lang="en-US" dirty="0">
               <a:solidFill>
@@ -3626,7 +3626,7 @@
               <a:pPr>
                 <a:defRPr/>
               </a:pPr>
-              <a:t>3/8/2022</a:t>
+              <a:t>7/12/2022</a:t>
             </a:fld>
             <a:endParaRPr lang="en-US" dirty="0">
               <a:solidFill>
@@ -3834,7 +3834,7 @@
               <a:pPr>
                 <a:defRPr/>
               </a:pPr>
-              <a:t>3/8/2022</a:t>
+              <a:t>7/12/2022</a:t>
             </a:fld>
             <a:endParaRPr lang="en-US" dirty="0"/>
           </a:p>
@@ -4117,7 +4117,7 @@
               <a:pPr>
                 <a:defRPr/>
               </a:pPr>
-              <a:t>3/8/2022</a:t>
+              <a:t>7/12/2022</a:t>
             </a:fld>
             <a:endParaRPr lang="en-US" dirty="0">
               <a:solidFill>
@@ -4331,7 +4331,7 @@
               <a:pPr>
                 <a:defRPr/>
               </a:pPr>
-              <a:t>3/8/2022</a:t>
+              <a:t>7/12/2022</a:t>
             </a:fld>
             <a:endParaRPr lang="en-US" dirty="0">
               <a:solidFill>
@@ -4555,7 +4555,7 @@
               <a:pPr>
                 <a:defRPr/>
               </a:pPr>
-              <a:t>3/8/2022</a:t>
+              <a:t>7/12/2022</a:t>
             </a:fld>
             <a:endParaRPr lang="en-US" dirty="0">
               <a:solidFill>
@@ -4765,7 +4765,7 @@
               <a:pPr>
                 <a:defRPr/>
               </a:pPr>
-              <a:t>3/8/2022</a:t>
+              <a:t>7/12/2022</a:t>
             </a:fld>
             <a:endParaRPr lang="en-US" dirty="0">
               <a:solidFill>
@@ -5042,7 +5042,7 @@
               <a:pPr>
                 <a:defRPr/>
               </a:pPr>
-              <a:t>3/8/2022</a:t>
+              <a:t>7/12/2022</a:t>
             </a:fld>
             <a:endParaRPr lang="en-US" dirty="0"/>
           </a:p>
@@ -5349,7 +5349,7 @@
               <a:pPr>
                 <a:defRPr/>
               </a:pPr>
-              <a:t>3/8/2022</a:t>
+              <a:t>7/12/2022</a:t>
             </a:fld>
             <a:endParaRPr lang="en-US" dirty="0"/>
           </a:p>
@@ -5790,7 +5790,7 @@
               <a:pPr>
                 <a:defRPr/>
               </a:pPr>
-              <a:t>3/8/2022</a:t>
+              <a:t>7/12/2022</a:t>
             </a:fld>
             <a:endParaRPr lang="en-US" dirty="0"/>
           </a:p>
@@ -5929,7 +5929,7 @@
               <a:pPr>
                 <a:defRPr/>
               </a:pPr>
-              <a:t>3/8/2022</a:t>
+              <a:t>7/12/2022</a:t>
             </a:fld>
             <a:endParaRPr lang="en-US" dirty="0"/>
           </a:p>
@@ -6046,7 +6046,7 @@
               <a:pPr>
                 <a:defRPr/>
               </a:pPr>
-              <a:t>3/8/2022</a:t>
+              <a:t>7/12/2022</a:t>
             </a:fld>
             <a:endParaRPr lang="en-US" dirty="0"/>
           </a:p>
@@ -6343,7 +6343,7 @@
               <a:pPr>
                 <a:defRPr/>
               </a:pPr>
-              <a:t>3/8/2022</a:t>
+              <a:t>7/12/2022</a:t>
             </a:fld>
             <a:endParaRPr lang="en-US" dirty="0"/>
           </a:p>
@@ -6620,7 +6620,7 @@
               <a:pPr>
                 <a:defRPr/>
               </a:pPr>
-              <a:t>3/8/2022</a:t>
+              <a:t>7/12/2022</a:t>
             </a:fld>
             <a:endParaRPr lang="en-US" dirty="0"/>
           </a:p>
@@ -6877,7 +6877,7 @@
               <a:pPr>
                 <a:defRPr/>
               </a:pPr>
-              <a:t>3/8/2022</a:t>
+              <a:t>7/12/2022</a:t>
             </a:fld>
             <a:endParaRPr lang="en-US" dirty="0"/>
           </a:p>
@@ -7587,7 +7587,7 @@
               <a:pPr>
                 <a:defRPr/>
               </a:pPr>
-              <a:t>3/8/2022</a:t>
+              <a:t>7/12/2022</a:t>
             </a:fld>
             <a:endParaRPr lang="en-US" dirty="0">
               <a:solidFill>
@@ -12180,8 +12180,8 @@
           <a:noFill/>
         </p:spPr>
       </p:pic>
-      <mc:AlternateContent xmlns:mc="http://schemas.openxmlformats.org/markup-compatibility/2006">
-        <mc:Choice xmlns:a14="http://schemas.microsoft.com/office/drawing/2010/main" Requires="a14">
+      <mc:AlternateContent xmlns:mc="http://schemas.openxmlformats.org/markup-compatibility/2006" xmlns:a14="http://schemas.microsoft.com/office/drawing/2010/main">
+        <mc:Choice Requires="a14">
           <p:sp>
             <p:nvSpPr>
               <p:cNvPr id="9" name="TextBox 8">
@@ -12571,7 +12571,7 @@
             </p:txBody>
           </p:sp>
         </mc:Choice>
-        <mc:Fallback>
+        <mc:Fallback xmlns="">
           <p:sp>
             <p:nvSpPr>
               <p:cNvPr id="9" name="TextBox 8">
@@ -13532,7 +13532,7 @@
         <p:spPr>
           <a:xfrm>
             <a:off x="4191000" y="228600"/>
-            <a:ext cx="4191000" cy="6532558"/>
+            <a:ext cx="4191000" cy="6740307"/>
           </a:xfrm>
           <a:prstGeom prst="rect">
             <a:avLst/>
@@ -14185,7 +14185,17 @@
                   <a:schemeClr val="bg1"/>
                 </a:solidFill>
               </a:rPr>
-              <a:t>           sim.se=s.se)</a:t>
+              <a:t>           sim.se=s.se,</a:t>
+            </a:r>
+          </a:p>
+          <a:p>
+            <a:r>
+              <a:rPr lang="en-US" sz="1350" dirty="0">
+                <a:solidFill>
+                  <a:schemeClr val="bg1"/>
+                </a:solidFill>
+              </a:rPr>
+              <a:t>	 plot=plot)</a:t>
             </a:r>
           </a:p>
           <a:p>
